--- a/output.pptx
+++ b/output.pptx
@@ -8,6 +8,9 @@
     <p:sldId id="256" r:id="rId3"/>
     <p:sldId id="257" r:id="rId4"/>
     <p:sldId id="258" r:id="rId5"/>
+    <p:sldId id="259" r:id="rId6"/>
+    <p:sldId id="260" r:id="rId7"/>
+    <p:sldId id="261" r:id="rId8"/>
   </p:sldIdLst>
   <p:notesSz cx="6858000" cy="9144000"/>
 </p:presentation>
@@ -83,31 +86,32 @@
           </a:bodyPr>
           <a:p>
             <a:r>
-              <a:t>Title 1</a:t>
-            </a:r>
-          </a:p>
-        </p:txBody>
-      </p:sp>
-      <p:sp>
-        <p:nvSpPr>
-          <p:cNvPr id="0" name=""/>
-          <p:cNvSpPr txBox="1"/>
-          <p:nvPr/>
-        </p:nvSpPr>
-        <p:spPr>
-          <a:xfrm>
-            <a:off x="635000" y="635000"/>
-            <a:ext cx="635000" cy="635000"/>
-          </a:xfrm>
-          <a:prstGeom prst="rect"/>
-        </p:spPr>
-        <p:txBody>
-          <a:bodyPr wrap="square">
-            <a:spAutoFit/>
-          </a:bodyPr>
-          <a:p>
-            <a:r>
-              <a:t>Content 1</a:t>
+              <a:t/>
+            </a:r>
+          </a:p>
+        </p:txBody>
+      </p:sp>
+      <p:sp>
+        <p:nvSpPr>
+          <p:cNvPr id="0" name=""/>
+          <p:cNvSpPr txBox="1"/>
+          <p:nvPr/>
+        </p:nvSpPr>
+        <p:spPr>
+          <a:xfrm>
+            <a:off x="635000" y="635000"/>
+            <a:ext cx="7620000" cy="5080000"/>
+          </a:xfrm>
+          <a:prstGeom prst="rect"/>
+        </p:spPr>
+        <p:txBody>
+          <a:bodyPr wrap="square">
+            <a:spAutoFit/>
+          </a:bodyPr>
+          <a:p>
+            <a:r>
+              <a:t>하나님은 너를 지키시는자
+너의 우편에 그늘되시니</a:t>
             </a:r>
           </a:p>
         </p:txBody>
@@ -153,31 +157,32 @@
           </a:bodyPr>
           <a:p>
             <a:r>
-              <a:t>Title 2</a:t>
-            </a:r>
-          </a:p>
-        </p:txBody>
-      </p:sp>
-      <p:sp>
-        <p:nvSpPr>
-          <p:cNvPr id="0" name=""/>
-          <p:cNvSpPr txBox="1"/>
-          <p:nvPr/>
-        </p:nvSpPr>
-        <p:spPr>
-          <a:xfrm>
-            <a:off x="635000" y="635000"/>
-            <a:ext cx="635000" cy="635000"/>
-          </a:xfrm>
-          <a:prstGeom prst="rect"/>
-        </p:spPr>
-        <p:txBody>
-          <a:bodyPr wrap="square">
-            <a:spAutoFit/>
-          </a:bodyPr>
-          <a:p>
-            <a:r>
-              <a:t>Content 2</a:t>
+              <a:t/>
+            </a:r>
+          </a:p>
+        </p:txBody>
+      </p:sp>
+      <p:sp>
+        <p:nvSpPr>
+          <p:cNvPr id="0" name=""/>
+          <p:cNvSpPr txBox="1"/>
+          <p:nvPr/>
+        </p:nvSpPr>
+        <p:spPr>
+          <a:xfrm>
+            <a:off x="635000" y="635000"/>
+            <a:ext cx="7620000" cy="5080000"/>
+          </a:xfrm>
+          <a:prstGeom prst="rect"/>
+        </p:spPr>
+        <p:txBody>
+          <a:bodyPr wrap="square">
+            <a:spAutoFit/>
+          </a:bodyPr>
+          <a:p>
+            <a:r>
+              <a:t>낮의 해와 밤의 달도
+너를 해치 못하리</a:t>
             </a:r>
           </a:p>
         </p:txBody>
@@ -223,11 +228,58 @@
           </a:bodyPr>
           <a:p>
             <a:r>
-              <a:t>Title 3</a:t>
-            </a:r>
-          </a:p>
-        </p:txBody>
-      </p:sp>
+              <a:t/>
+            </a:r>
+          </a:p>
+        </p:txBody>
+      </p:sp>
+      <p:sp>
+        <p:nvSpPr>
+          <p:cNvPr id="0" name=""/>
+          <p:cNvSpPr txBox="1"/>
+          <p:nvPr/>
+        </p:nvSpPr>
+        <p:spPr>
+          <a:xfrm>
+            <a:off x="635000" y="635000"/>
+            <a:ext cx="7620000" cy="5080000"/>
+          </a:xfrm>
+          <a:prstGeom prst="rect"/>
+        </p:spPr>
+        <p:txBody>
+          <a:bodyPr wrap="square">
+            <a:spAutoFit/>
+          </a:bodyPr>
+          <a:p>
+            <a:r>
+              <a:t>하나님은 너를 지키시는자
+너의 환란을 면케 하시니</a:t>
+            </a:r>
+          </a:p>
+        </p:txBody>
+      </p:sp>
+    </p:spTree>
+  </p:cSld>
+</p:sld>
+</file>
+
+<file path=ppt/slides/slide4.xml><?xml version="1.0" encoding="utf-8"?>
+<p:sld xmlns="http://schemas.openxmlformats.org/presentationml/2006/main" xmlns:a="http://schemas.openxmlformats.org/drawingml/2006/main" xmlns:p="http://schemas.openxmlformats.org/presentationml/2006/main" xmlns:r="http://schemas.openxmlformats.org/officeDocument/2006/relationships" xmlns:sh="http://schemas.openxmlformats.org/officeDocument/2006/sharedTypes" xmlns:xml="http://www.w3.org/XML/1998/namespace">
+  <p:cSld>
+    <p:spTree>
+      <p:nvGrpSpPr>
+        <p:cNvPr id="1" name=""/>
+        <p:cNvGrpSpPr/>
+        <p:nvPr/>
+      </p:nvGrpSpPr>
+      <p:grpSpPr>
+        <a:xfrm>
+          <a:off x="0" y="0"/>
+          <a:ext cx="0" cy="0"/>
+          <a:chOff x="0" y="0"/>
+          <a:chExt cx="0" cy="0"/>
+        </a:xfrm>
+      </p:grpSpPr>
       <p:sp>
         <p:nvSpPr>
           <p:cNvPr id="0" name=""/>
@@ -247,7 +299,174 @@
           </a:bodyPr>
           <a:p>
             <a:r>
-              <a:t>Content 3</a:t>
+              <a:t/>
+            </a:r>
+          </a:p>
+        </p:txBody>
+      </p:sp>
+      <p:sp>
+        <p:nvSpPr>
+          <p:cNvPr id="0" name=""/>
+          <p:cNvSpPr txBox="1"/>
+          <p:nvPr/>
+        </p:nvSpPr>
+        <p:spPr>
+          <a:xfrm>
+            <a:off x="635000" y="635000"/>
+            <a:ext cx="7620000" cy="5080000"/>
+          </a:xfrm>
+          <a:prstGeom prst="rect"/>
+        </p:spPr>
+        <p:txBody>
+          <a:bodyPr wrap="square">
+            <a:spAutoFit/>
+          </a:bodyPr>
+          <a:p>
+            <a:r>
+              <a:t>그가 너를 지키시리라
+너의 출입을 지키시리라</a:t>
+            </a:r>
+          </a:p>
+        </p:txBody>
+      </p:sp>
+    </p:spTree>
+  </p:cSld>
+</p:sld>
+</file>
+
+<file path=ppt/slides/slide5.xml><?xml version="1.0" encoding="utf-8"?>
+<p:sld xmlns="http://schemas.openxmlformats.org/presentationml/2006/main" xmlns:a="http://schemas.openxmlformats.org/drawingml/2006/main" xmlns:p="http://schemas.openxmlformats.org/presentationml/2006/main" xmlns:r="http://schemas.openxmlformats.org/officeDocument/2006/relationships" xmlns:sh="http://schemas.openxmlformats.org/officeDocument/2006/sharedTypes" xmlns:xml="http://www.w3.org/XML/1998/namespace">
+  <p:cSld>
+    <p:spTree>
+      <p:nvGrpSpPr>
+        <p:cNvPr id="1" name=""/>
+        <p:cNvGrpSpPr/>
+        <p:nvPr/>
+      </p:nvGrpSpPr>
+      <p:grpSpPr>
+        <a:xfrm>
+          <a:off x="0" y="0"/>
+          <a:ext cx="0" cy="0"/>
+          <a:chOff x="0" y="0"/>
+          <a:chExt cx="0" cy="0"/>
+        </a:xfrm>
+      </p:grpSpPr>
+      <p:sp>
+        <p:nvSpPr>
+          <p:cNvPr id="0" name=""/>
+          <p:cNvSpPr txBox="1"/>
+          <p:nvPr/>
+        </p:nvSpPr>
+        <p:spPr>
+          <a:xfrm>
+            <a:off x="635000" y="635000"/>
+            <a:ext cx="635000" cy="635000"/>
+          </a:xfrm>
+          <a:prstGeom prst="rect"/>
+        </p:spPr>
+        <p:txBody>
+          <a:bodyPr wrap="square">
+            <a:spAutoFit/>
+          </a:bodyPr>
+          <a:p>
+            <a:r>
+              <a:t/>
+            </a:r>
+          </a:p>
+        </p:txBody>
+      </p:sp>
+      <p:sp>
+        <p:nvSpPr>
+          <p:cNvPr id="0" name=""/>
+          <p:cNvSpPr txBox="1"/>
+          <p:nvPr/>
+        </p:nvSpPr>
+        <p:spPr>
+          <a:xfrm>
+            <a:off x="635000" y="635000"/>
+            <a:ext cx="7620000" cy="5080000"/>
+          </a:xfrm>
+          <a:prstGeom prst="rect"/>
+        </p:spPr>
+        <p:txBody>
+          <a:bodyPr wrap="square">
+            <a:spAutoFit/>
+          </a:bodyPr>
+          <a:p>
+            <a:r>
+              <a:t>눈을 들어 하늘 보아라
+너의 도움 어디서 오나</a:t>
+            </a:r>
+          </a:p>
+        </p:txBody>
+      </p:sp>
+    </p:spTree>
+  </p:cSld>
+</p:sld>
+</file>
+
+<file path=ppt/slides/slide6.xml><?xml version="1.0" encoding="utf-8"?>
+<p:sld xmlns="http://schemas.openxmlformats.org/presentationml/2006/main" xmlns:a="http://schemas.openxmlformats.org/drawingml/2006/main" xmlns:p="http://schemas.openxmlformats.org/presentationml/2006/main" xmlns:r="http://schemas.openxmlformats.org/officeDocument/2006/relationships" xmlns:sh="http://schemas.openxmlformats.org/officeDocument/2006/sharedTypes" xmlns:xml="http://www.w3.org/XML/1998/namespace">
+  <p:cSld>
+    <p:spTree>
+      <p:nvGrpSpPr>
+        <p:cNvPr id="1" name=""/>
+        <p:cNvGrpSpPr/>
+        <p:nvPr/>
+      </p:nvGrpSpPr>
+      <p:grpSpPr>
+        <a:xfrm>
+          <a:off x="0" y="0"/>
+          <a:ext cx="0" cy="0"/>
+          <a:chOff x="0" y="0"/>
+          <a:chExt cx="0" cy="0"/>
+        </a:xfrm>
+      </p:grpSpPr>
+      <p:sp>
+        <p:nvSpPr>
+          <p:cNvPr id="0" name=""/>
+          <p:cNvSpPr txBox="1"/>
+          <p:nvPr/>
+        </p:nvSpPr>
+        <p:spPr>
+          <a:xfrm>
+            <a:off x="635000" y="635000"/>
+            <a:ext cx="635000" cy="635000"/>
+          </a:xfrm>
+          <a:prstGeom prst="rect"/>
+        </p:spPr>
+        <p:txBody>
+          <a:bodyPr wrap="square">
+            <a:spAutoFit/>
+          </a:bodyPr>
+          <a:p>
+            <a:r>
+              <a:t/>
+            </a:r>
+          </a:p>
+        </p:txBody>
+      </p:sp>
+      <p:sp>
+        <p:nvSpPr>
+          <p:cNvPr id="0" name=""/>
+          <p:cNvSpPr txBox="1"/>
+          <p:nvPr/>
+        </p:nvSpPr>
+        <p:spPr>
+          <a:xfrm>
+            <a:off x="635000" y="635000"/>
+            <a:ext cx="7620000" cy="5080000"/>
+          </a:xfrm>
+          <a:prstGeom prst="rect"/>
+        </p:spPr>
+        <p:txBody>
+          <a:bodyPr wrap="square">
+            <a:spAutoFit/>
+          </a:bodyPr>
+          <a:p>
+            <a:r>
+              <a:t>천지 지으신 너를 만드신
+여호와께로다</a:t>
             </a:r>
           </a:p>
         </p:txBody>

--- a/output.pptx
+++ b/output.pptx
@@ -11,6 +11,9 @@
     <p:sldId id="259" r:id="rId6"/>
     <p:sldId id="260" r:id="rId7"/>
     <p:sldId id="261" r:id="rId8"/>
+    <p:sldId id="262" r:id="rId9"/>
+    <p:sldId id="263" r:id="rId10"/>
+    <p:sldId id="264" r:id="rId11"/>
   </p:sldIdLst>
   <p:notesSz cx="6858000" cy="9144000"/>
 </p:presentation>
@@ -75,8 +78,8 @@
         </p:nvSpPr>
         <p:spPr>
           <a:xfrm>
-            <a:off x="635000" y="635000"/>
-            <a:ext cx="635000" cy="635000"/>
+            <a:off x="4191000" y="539750"/>
+            <a:ext cx="3810000" cy="635000"/>
           </a:xfrm>
           <a:prstGeom prst="rect"/>
         </p:spPr>
@@ -99,7 +102,7 @@
         </p:nvSpPr>
         <p:spPr>
           <a:xfrm>
-            <a:off x="635000" y="635000"/>
+            <a:off x="2286000" y="889000"/>
             <a:ext cx="7620000" cy="5080000"/>
           </a:xfrm>
           <a:prstGeom prst="rect"/>
@@ -110,8 +113,8 @@
           </a:bodyPr>
           <a:p>
             <a:r>
-              <a:t>하나님은 너를 지키시는자
-너의 우편에 그늘되시니</a:t>
+              <a:t>강하고 담대하라 너의 주 곧 오시리
+그가 오사 보수 하시리</a:t>
             </a:r>
           </a:p>
         </p:txBody>
@@ -146,8 +149,8 @@
         </p:nvSpPr>
         <p:spPr>
           <a:xfrm>
-            <a:off x="635000" y="635000"/>
-            <a:ext cx="635000" cy="635000"/>
+            <a:off x="4191000" y="539750"/>
+            <a:ext cx="3810000" cy="635000"/>
           </a:xfrm>
           <a:prstGeom prst="rect"/>
         </p:spPr>
@@ -170,7 +173,7 @@
         </p:nvSpPr>
         <p:spPr>
           <a:xfrm>
-            <a:off x="635000" y="635000"/>
+            <a:off x="2286000" y="889000"/>
             <a:ext cx="7620000" cy="5080000"/>
           </a:xfrm>
           <a:prstGeom prst="rect"/>
@@ -181,8 +184,8 @@
           </a:bodyPr>
           <a:p>
             <a:r>
-              <a:t>낮의 해와 밤의 달도
-너를 해치 못하리</a:t>
+              <a:t>오랜 흑암의 멍에 꺾어 주시리
+너를 구원하시며 너의 눈물 씻어 주시리</a:t>
             </a:r>
           </a:p>
         </p:txBody>
@@ -217,8 +220,8 @@
         </p:nvSpPr>
         <p:spPr>
           <a:xfrm>
-            <a:off x="635000" y="635000"/>
-            <a:ext cx="635000" cy="635000"/>
+            <a:off x="4191000" y="539750"/>
+            <a:ext cx="3810000" cy="635000"/>
           </a:xfrm>
           <a:prstGeom prst="rect"/>
         </p:spPr>
@@ -241,7 +244,7 @@
         </p:nvSpPr>
         <p:spPr>
           <a:xfrm>
-            <a:off x="635000" y="635000"/>
+            <a:off x="2286000" y="889000"/>
             <a:ext cx="7620000" cy="5080000"/>
           </a:xfrm>
           <a:prstGeom prst="rect"/>
@@ -252,8 +255,8 @@
           </a:bodyPr>
           <a:p>
             <a:r>
-              <a:t>하나님은 너를 지키시는자
-너의 환란을 면케 하시니</a:t>
+              <a:t>너를 구원하시며 주의 영광 나타내시리
+강하고 담대하라 너의 주 곧 오시리</a:t>
             </a:r>
           </a:p>
         </p:txBody>
@@ -288,8 +291,8 @@
         </p:nvSpPr>
         <p:spPr>
           <a:xfrm>
-            <a:off x="635000" y="635000"/>
-            <a:ext cx="635000" cy="635000"/>
+            <a:off x="4191000" y="539750"/>
+            <a:ext cx="3810000" cy="635000"/>
           </a:xfrm>
           <a:prstGeom prst="rect"/>
         </p:spPr>
@@ -312,7 +315,7 @@
         </p:nvSpPr>
         <p:spPr>
           <a:xfrm>
-            <a:off x="635000" y="635000"/>
+            <a:off x="2286000" y="889000"/>
             <a:ext cx="7620000" cy="5080000"/>
           </a:xfrm>
           <a:prstGeom prst="rect"/>
@@ -323,8 +326,8 @@
           </a:bodyPr>
           <a:p>
             <a:r>
-              <a:t>그가 너를 지키시리라
-너의 출입을 지키시리라</a:t>
+              <a:t>그가 오사 보수 하시리
+오랜 흑암의 멍에 꺾어 주시리</a:t>
             </a:r>
           </a:p>
         </p:txBody>
@@ -359,8 +362,8 @@
         </p:nvSpPr>
         <p:spPr>
           <a:xfrm>
-            <a:off x="635000" y="635000"/>
-            <a:ext cx="635000" cy="635000"/>
+            <a:off x="4191000" y="539750"/>
+            <a:ext cx="3810000" cy="635000"/>
           </a:xfrm>
           <a:prstGeom prst="rect"/>
         </p:spPr>
@@ -383,7 +386,7 @@
         </p:nvSpPr>
         <p:spPr>
           <a:xfrm>
-            <a:off x="635000" y="635000"/>
+            <a:off x="2286000" y="889000"/>
             <a:ext cx="7620000" cy="5080000"/>
           </a:xfrm>
           <a:prstGeom prst="rect"/>
@@ -394,8 +397,8 @@
           </a:bodyPr>
           <a:p>
             <a:r>
-              <a:t>눈을 들어 하늘 보아라
-너의 도움 어디서 오나</a:t>
+              <a:t>너를 구원하시며 너의 눈물 씻어 주시리
+너를 구원하시며 주의 영광 나타내시리</a:t>
             </a:r>
           </a:p>
         </p:txBody>
@@ -430,8 +433,8 @@
         </p:nvSpPr>
         <p:spPr>
           <a:xfrm>
-            <a:off x="635000" y="635000"/>
-            <a:ext cx="635000" cy="635000"/>
+            <a:off x="4191000" y="539750"/>
+            <a:ext cx="3810000" cy="635000"/>
           </a:xfrm>
           <a:prstGeom prst="rect"/>
         </p:spPr>
@@ -454,7 +457,7 @@
         </p:nvSpPr>
         <p:spPr>
           <a:xfrm>
-            <a:off x="635000" y="635000"/>
+            <a:off x="2286000" y="889000"/>
             <a:ext cx="7620000" cy="5080000"/>
           </a:xfrm>
           <a:prstGeom prst="rect"/>
@@ -465,8 +468,221 @@
           </a:bodyPr>
           <a:p>
             <a:r>
-              <a:t>천지 지으신 너를 만드신
-여호와께로다</a:t>
+              <a:t>여호와의 구속함 받은 백성
+돌아오며 기뻐 노래하리라</a:t>
+            </a:r>
+          </a:p>
+        </p:txBody>
+      </p:sp>
+    </p:spTree>
+  </p:cSld>
+</p:sld>
+</file>
+
+<file path=ppt/slides/slide7.xml><?xml version="1.0" encoding="utf-8"?>
+<p:sld xmlns="http://schemas.openxmlformats.org/presentationml/2006/main" xmlns:a="http://schemas.openxmlformats.org/drawingml/2006/main" xmlns:p="http://schemas.openxmlformats.org/presentationml/2006/main" xmlns:r="http://schemas.openxmlformats.org/officeDocument/2006/relationships" xmlns:sh="http://schemas.openxmlformats.org/officeDocument/2006/sharedTypes" xmlns:xml="http://www.w3.org/XML/1998/namespace">
+  <p:cSld>
+    <p:spTree>
+      <p:nvGrpSpPr>
+        <p:cNvPr id="1" name=""/>
+        <p:cNvGrpSpPr/>
+        <p:nvPr/>
+      </p:nvGrpSpPr>
+      <p:grpSpPr>
+        <a:xfrm>
+          <a:off x="0" y="0"/>
+          <a:ext cx="0" cy="0"/>
+          <a:chOff x="0" y="0"/>
+          <a:chExt cx="0" cy="0"/>
+        </a:xfrm>
+      </p:grpSpPr>
+      <p:sp>
+        <p:nvSpPr>
+          <p:cNvPr id="0" name=""/>
+          <p:cNvSpPr txBox="1"/>
+          <p:nvPr/>
+        </p:nvSpPr>
+        <p:spPr>
+          <a:xfrm>
+            <a:off x="4191000" y="539750"/>
+            <a:ext cx="3810000" cy="635000"/>
+          </a:xfrm>
+          <a:prstGeom prst="rect"/>
+        </p:spPr>
+        <p:txBody>
+          <a:bodyPr wrap="square">
+            <a:spAutoFit/>
+          </a:bodyPr>
+          <a:p>
+            <a:r>
+              <a:t/>
+            </a:r>
+          </a:p>
+        </p:txBody>
+      </p:sp>
+      <p:sp>
+        <p:nvSpPr>
+          <p:cNvPr id="0" name=""/>
+          <p:cNvSpPr txBox="1"/>
+          <p:nvPr/>
+        </p:nvSpPr>
+        <p:spPr>
+          <a:xfrm>
+            <a:off x="2286000" y="889000"/>
+            <a:ext cx="7620000" cy="5080000"/>
+          </a:xfrm>
+          <a:prstGeom prst="rect"/>
+        </p:spPr>
+        <p:txBody>
+          <a:bodyPr wrap="square">
+            <a:spAutoFit/>
+          </a:bodyPr>
+          <a:p>
+            <a:r>
+              <a:t>슬픔과 탄식 다 사라지고 영영한 기쁨 넘치리
+강하고 담대하라 너의 주 곧 오시리</a:t>
+            </a:r>
+          </a:p>
+        </p:txBody>
+      </p:sp>
+    </p:spTree>
+  </p:cSld>
+</p:sld>
+</file>
+
+<file path=ppt/slides/slide8.xml><?xml version="1.0" encoding="utf-8"?>
+<p:sld xmlns="http://schemas.openxmlformats.org/presentationml/2006/main" xmlns:a="http://schemas.openxmlformats.org/drawingml/2006/main" xmlns:p="http://schemas.openxmlformats.org/presentationml/2006/main" xmlns:r="http://schemas.openxmlformats.org/officeDocument/2006/relationships" xmlns:sh="http://schemas.openxmlformats.org/officeDocument/2006/sharedTypes" xmlns:xml="http://www.w3.org/XML/1998/namespace">
+  <p:cSld>
+    <p:spTree>
+      <p:nvGrpSpPr>
+        <p:cNvPr id="1" name=""/>
+        <p:cNvGrpSpPr/>
+        <p:nvPr/>
+      </p:nvGrpSpPr>
+      <p:grpSpPr>
+        <a:xfrm>
+          <a:off x="0" y="0"/>
+          <a:ext cx="0" cy="0"/>
+          <a:chOff x="0" y="0"/>
+          <a:chExt cx="0" cy="0"/>
+        </a:xfrm>
+      </p:grpSpPr>
+      <p:sp>
+        <p:nvSpPr>
+          <p:cNvPr id="0" name=""/>
+          <p:cNvSpPr txBox="1"/>
+          <p:nvPr/>
+        </p:nvSpPr>
+        <p:spPr>
+          <a:xfrm>
+            <a:off x="4191000" y="539750"/>
+            <a:ext cx="3810000" cy="635000"/>
+          </a:xfrm>
+          <a:prstGeom prst="rect"/>
+        </p:spPr>
+        <p:txBody>
+          <a:bodyPr wrap="square">
+            <a:spAutoFit/>
+          </a:bodyPr>
+          <a:p>
+            <a:r>
+              <a:t/>
+            </a:r>
+          </a:p>
+        </p:txBody>
+      </p:sp>
+      <p:sp>
+        <p:nvSpPr>
+          <p:cNvPr id="0" name=""/>
+          <p:cNvSpPr txBox="1"/>
+          <p:nvPr/>
+        </p:nvSpPr>
+        <p:spPr>
+          <a:xfrm>
+            <a:off x="2286000" y="889000"/>
+            <a:ext cx="7620000" cy="5080000"/>
+          </a:xfrm>
+          <a:prstGeom prst="rect"/>
+        </p:spPr>
+        <p:txBody>
+          <a:bodyPr wrap="square">
+            <a:spAutoFit/>
+          </a:bodyPr>
+          <a:p>
+            <a:r>
+              <a:t>그가 오사 보수 하시리
+강한 용사 여호와</a:t>
+            </a:r>
+          </a:p>
+        </p:txBody>
+      </p:sp>
+    </p:spTree>
+  </p:cSld>
+</p:sld>
+</file>
+
+<file path=ppt/slides/slide9.xml><?xml version="1.0" encoding="utf-8"?>
+<p:sld xmlns="http://schemas.openxmlformats.org/presentationml/2006/main" xmlns:a="http://schemas.openxmlformats.org/drawingml/2006/main" xmlns:p="http://schemas.openxmlformats.org/presentationml/2006/main" xmlns:r="http://schemas.openxmlformats.org/officeDocument/2006/relationships" xmlns:sh="http://schemas.openxmlformats.org/officeDocument/2006/sharedTypes" xmlns:xml="http://www.w3.org/XML/1998/namespace">
+  <p:cSld>
+    <p:spTree>
+      <p:nvGrpSpPr>
+        <p:cNvPr id="1" name=""/>
+        <p:cNvGrpSpPr/>
+        <p:nvPr/>
+      </p:nvGrpSpPr>
+      <p:grpSpPr>
+        <a:xfrm>
+          <a:off x="0" y="0"/>
+          <a:ext cx="0" cy="0"/>
+          <a:chOff x="0" y="0"/>
+          <a:chExt cx="0" cy="0"/>
+        </a:xfrm>
+      </p:grpSpPr>
+      <p:sp>
+        <p:nvSpPr>
+          <p:cNvPr id="0" name=""/>
+          <p:cNvSpPr txBox="1"/>
+          <p:nvPr/>
+        </p:nvSpPr>
+        <p:spPr>
+          <a:xfrm>
+            <a:off x="4191000" y="539750"/>
+            <a:ext cx="3810000" cy="635000"/>
+          </a:xfrm>
+          <a:prstGeom prst="rect"/>
+        </p:spPr>
+        <p:txBody>
+          <a:bodyPr wrap="square">
+            <a:spAutoFit/>
+          </a:bodyPr>
+          <a:p>
+            <a:r>
+              <a:t/>
+            </a:r>
+          </a:p>
+        </p:txBody>
+      </p:sp>
+      <p:sp>
+        <p:nvSpPr>
+          <p:cNvPr id="0" name=""/>
+          <p:cNvSpPr txBox="1"/>
+          <p:nvPr/>
+        </p:nvSpPr>
+        <p:spPr>
+          <a:xfrm>
+            <a:off x="2286000" y="889000"/>
+            <a:ext cx="7620000" cy="5080000"/>
+          </a:xfrm>
+          <a:prstGeom prst="rect"/>
+        </p:spPr>
+        <p:txBody>
+          <a:bodyPr wrap="square">
+            <a:spAutoFit/>
+          </a:bodyPr>
+          <a:p>
+            <a:r>
+              <a:t>강한 용사 여호와
+강한 용사 여호와</a:t>
             </a:r>
           </a:p>
         </p:txBody>
